--- a/学员手册答辩V1.0.pptx
+++ b/学员手册答辩V1.0.pptx
@@ -23,45 +23,45 @@
   <p:notesSz cx="6858000" cy="9144000"/>
   <p:embeddedFontLst>
     <p:embeddedFont>
+      <p:font typeface="Calibri" panose="020F0502020204030204" pitchFamily="34" charset="0"/>
+      <p:regular r:id="rId13"/>
+      <p:bold r:id="rId14"/>
+      <p:italic r:id="rId15"/>
+      <p:boldItalic r:id="rId16"/>
+    </p:embeddedFont>
+    <p:embeddedFont>
+      <p:font typeface="方正兰亭中黑_GBK" panose="02010600030101010101" charset="-122"/>
+      <p:regular r:id="rId17"/>
+    </p:embeddedFont>
+    <p:embeddedFont>
+      <p:font typeface="Microsoft JhengHei" panose="020B0604030504040204" pitchFamily="34" charset="-120"/>
+      <p:regular r:id="rId18"/>
+      <p:bold r:id="rId19"/>
+    </p:embeddedFont>
+    <p:embeddedFont>
       <p:font typeface="Arial Rounded MT Bold" panose="020F0704030504030204" pitchFamily="34" charset="0"/>
-      <p:regular r:id="rId13"/>
+      <p:regular r:id="rId20"/>
+    </p:embeddedFont>
+    <p:embeddedFont>
+      <p:font typeface="微软雅黑" panose="020B0503020204020204" pitchFamily="34" charset="-122"/>
+      <p:regular r:id="rId21"/>
+      <p:bold r:id="rId22"/>
+    </p:embeddedFont>
+    <p:embeddedFont>
+      <p:font typeface="方正兰亭中粗黑_GBK" panose="02010600030101010101" charset="-122"/>
+      <p:regular r:id="rId23"/>
+    </p:embeddedFont>
+    <p:embeddedFont>
+      <p:font typeface="方正兰亭黑_GBK" panose="02010600030101010101" charset="-122"/>
+      <p:regular r:id="rId24"/>
     </p:embeddedFont>
     <p:embeddedFont>
       <p:font typeface="方正兰亭纤黑简体" panose="02010600030101010101" charset="-122"/>
-      <p:regular r:id="rId14"/>
+      <p:regular r:id="rId25"/>
     </p:embeddedFont>
     <p:embeddedFont>
       <p:font typeface="黑体" panose="02010609060101010101" pitchFamily="49" charset="-122"/>
-      <p:regular r:id="rId15"/>
-    </p:embeddedFont>
-    <p:embeddedFont>
-      <p:font typeface="Microsoft JhengHei" panose="020B0604030504040204" pitchFamily="34" charset="-120"/>
-      <p:regular r:id="rId16"/>
-      <p:bold r:id="rId17"/>
-    </p:embeddedFont>
-    <p:embeddedFont>
-      <p:font typeface="方正兰亭中粗黑_GBK" panose="02010600030101010101" charset="-122"/>
-      <p:regular r:id="rId18"/>
-    </p:embeddedFont>
-    <p:embeddedFont>
-      <p:font typeface="方正兰亭黑_GBK" panose="02010600030101010101" charset="-122"/>
-      <p:regular r:id="rId19"/>
-    </p:embeddedFont>
-    <p:embeddedFont>
-      <p:font typeface="Calibri" panose="020F0502020204030204" pitchFamily="34" charset="0"/>
-      <p:regular r:id="rId20"/>
-      <p:bold r:id="rId21"/>
-      <p:italic r:id="rId22"/>
-      <p:boldItalic r:id="rId23"/>
-    </p:embeddedFont>
-    <p:embeddedFont>
-      <p:font typeface="方正兰亭中黑_GBK" panose="02010600030101010101" charset="-122"/>
-      <p:regular r:id="rId24"/>
-    </p:embeddedFont>
-    <p:embeddedFont>
-      <p:font typeface="微软雅黑" panose="020B0503020204020204" pitchFamily="34" charset="-122"/>
-      <p:regular r:id="rId25"/>
-      <p:bold r:id="rId26"/>
+      <p:regular r:id="rId26"/>
     </p:embeddedFont>
   </p:embeddedFontLst>
   <p:defaultTextStyle>
@@ -23189,13 +23189,6 @@
               </a:rPr>
               <a:t>。</a:t>
             </a:r>
-            <a:endParaRPr lang="zh-CN" altLang="zh-CN" dirty="0">
-              <a:solidFill>
-                <a:schemeClr val="bg1"/>
-              </a:solidFill>
-              <a:latin typeface="黑体" panose="02010609060101010101" pitchFamily="49" charset="-122"/>
-              <a:ea typeface="黑体" panose="02010609060101010101" pitchFamily="49" charset="-122"/>
-            </a:endParaRPr>
           </a:p>
         </p:txBody>
       </p:sp>
@@ -29412,17 +29405,7 @@
                 <a:latin typeface="黑体" panose="02010609060101010101" pitchFamily="49" charset="-122"/>
                 <a:ea typeface="黑体" panose="02010609060101010101" pitchFamily="49" charset="-122"/>
               </a:rPr>
-              <a:t>最真实</a:t>
-            </a:r>
-            <a:r>
-              <a:rPr lang="zh-CN" altLang="en-US" sz="1800" dirty="0" smtClean="0">
-                <a:solidFill>
-                  <a:srgbClr val="BCE8F2"/>
-                </a:solidFill>
-                <a:latin typeface="黑体" panose="02010609060101010101" pitchFamily="49" charset="-122"/>
-                <a:ea typeface="黑体" panose="02010609060101010101" pitchFamily="49" charset="-122"/>
-              </a:rPr>
-              <a:t>的需求</a:t>
+              <a:t>最真实的需求</a:t>
             </a:r>
             <a:endParaRPr lang="en-US" altLang="zh-CN" sz="1800" dirty="0">
               <a:solidFill>
@@ -38528,7 +38511,7 @@
         </p:nvSpPr>
         <p:spPr bwMode="auto">
           <a:xfrm>
-            <a:off x="827584" y="1273324"/>
+            <a:off x="575556" y="1417340"/>
             <a:ext cx="7920880" cy="2862322"/>
           </a:xfrm>
           <a:prstGeom prst="rect">
@@ -38927,7 +38910,17 @@
                 <a:latin typeface="黑体" panose="02010609060101010101" pitchFamily="49" charset="-122"/>
                 <a:ea typeface="黑体" panose="02010609060101010101" pitchFamily="49" charset="-122"/>
               </a:rPr>
-              <a:t>[3].Barr</a:t>
+              <a:t>[3</a:t>
+            </a:r>
+            <a:r>
+              <a:rPr lang="en-US" altLang="zh-CN" sz="1800" dirty="0" smtClean="0">
+                <a:solidFill>
+                  <a:srgbClr val="BCE8F2"/>
+                </a:solidFill>
+                <a:latin typeface="黑体" panose="02010609060101010101" pitchFamily="49" charset="-122"/>
+                <a:ea typeface="黑体" panose="02010609060101010101" pitchFamily="49" charset="-122"/>
+              </a:rPr>
+              <a:t>].M</a:t>
             </a:r>
             <a:r>
               <a:rPr lang="en-US" altLang="zh-CN" sz="1800" dirty="0">
@@ -38937,7 +38930,7 @@
                 <a:latin typeface="黑体" panose="02010609060101010101" pitchFamily="49" charset="-122"/>
                 <a:ea typeface="黑体" panose="02010609060101010101" pitchFamily="49" charset="-122"/>
               </a:rPr>
-              <a:t>, M. and C. Wells, Category theory for computing science. </a:t>
+              <a:t>. Barr</a:t>
             </a:r>
             <a:r>
               <a:rPr lang="en-US" altLang="zh-CN" sz="1800" dirty="0" smtClean="0">
@@ -38947,17 +38940,17 @@
                 <a:latin typeface="黑体" panose="02010609060101010101" pitchFamily="49" charset="-122"/>
                 <a:ea typeface="黑体" panose="02010609060101010101" pitchFamily="49" charset="-122"/>
               </a:rPr>
-              <a:t>1990. </a:t>
+              <a:t>, </a:t>
             </a:r>
             <a:r>
-              <a:rPr lang="en-US" altLang="zh-CN" sz="1800" smtClean="0">
+              <a:rPr lang="en-US" altLang="zh-CN" sz="1800" dirty="0">
                 <a:solidFill>
                   <a:srgbClr val="BCE8F2"/>
                 </a:solidFill>
                 <a:latin typeface="黑体" panose="02010609060101010101" pitchFamily="49" charset="-122"/>
                 <a:ea typeface="黑体" panose="02010609060101010101" pitchFamily="49" charset="-122"/>
               </a:rPr>
-              <a:t>21</a:t>
+              <a:t>and C. Wells, Category theory for computing science. </a:t>
             </a:r>
             <a:r>
               <a:rPr lang="en-US" altLang="zh-CN" sz="1800" dirty="0" smtClean="0">
@@ -38967,7 +38960,7 @@
                 <a:latin typeface="黑体" panose="02010609060101010101" pitchFamily="49" charset="-122"/>
                 <a:ea typeface="黑体" panose="02010609060101010101" pitchFamily="49" charset="-122"/>
               </a:rPr>
-              <a:t>. </a:t>
+              <a:t>1990. 21. </a:t>
             </a:r>
             <a:endParaRPr lang="en-US" altLang="zh-CN" sz="1800" dirty="0">
               <a:solidFill>
